--- a/Data Visualisation/Presentation/Presentation_GecziKis_GeorgianMarian.pptx
+++ b/Data Visualisation/Presentation/Presentation_GecziKis_GeorgianMarian.pptx
@@ -547,10 +547,19 @@
               <a:t>Plotly</a:t>
             </a:r>
             <a:r>
-              <a:rPr lang="en-US" dirty="0"/>
-              <a:t>. </a:t>
-            </a:r>
-            <a:endParaRPr lang="en-GB" dirty="0"/>
+              <a:rPr lang="en-US"/>
+              <a:t>.</a:t>
+            </a:r>
+            <a:endParaRPr lang="en-US" dirty="0"/>
+          </a:p>
+          <a:p>
+            <a:endParaRPr lang="en-US" dirty="0"/>
+          </a:p>
+          <a:p>
+            <a:r>
+              <a:rPr lang="en-GB" dirty="0"/>
+              <a:t>https://github.com/George-Marian/SS24-IMC-3.INF/blob/main/Data%20Visualisation/Presentation/videoGamesSales-Visualisation-GECZIKIS.html</a:t>
+            </a:r>
           </a:p>
         </p:txBody>
       </p:sp>
@@ -5561,15 +5570,6 @@
 </file>
 
 <file path=customXml/item1.xml><?xml version="1.0" encoding="utf-8"?>
-<?mso-contentType ?>
-<FormTemplates xmlns="http://schemas.microsoft.com/sharepoint/v3/contenttype/forms">
-  <Display>DocumentLibraryForm</Display>
-  <Edit>DocumentLibraryForm</Edit>
-  <New>DocumentLibraryForm</New>
-</FormTemplates>
-</file>
-
-<file path=customXml/item2.xml><?xml version="1.0" encoding="utf-8"?>
 <ct:contentTypeSchema xmlns:ct="http://schemas.microsoft.com/office/2006/metadata/contentType" xmlns:ma="http://schemas.microsoft.com/office/2006/metadata/properties/metaAttributes" ct:_="" ma:_="" ma:contentTypeName="Dokument" ma:contentTypeID="0x0101008FEAD963ED9F754E92CFEFFDAB37683B" ma:contentTypeVersion="1" ma:contentTypeDescription="Ein neues Dokument erstellen." ma:contentTypeScope="" ma:versionID="b492819eede0f2da95d7281201d4ef38">
   <xsd:schema xmlns:xsd="http://www.w3.org/2001/XMLSchema" xmlns:xs="http://www.w3.org/2001/XMLSchema" xmlns:p="http://schemas.microsoft.com/office/2006/metadata/properties" xmlns:ns2="9e5fb971-d33a-4165-965c-d8ea246f8036" targetNamespace="http://schemas.microsoft.com/office/2006/metadata/properties" ma:root="true" ma:fieldsID="0c547d46da9c8d5b537a08f8709a460d" ns2:_="">
     <xsd:import namespace="9e5fb971-d33a-4165-965c-d8ea246f8036"/>
@@ -5695,15 +5695,16 @@
 </ct:contentTypeSchema>
 </file>
 
-<file path=customXml/itemProps1.xml><?xml version="1.0" encoding="utf-8"?>
-<ds:datastoreItem xmlns:ds="http://schemas.openxmlformats.org/officeDocument/2006/customXml" ds:itemID="{A92FEE76-D0B0-4363-9135-C5EF51BDEDF0}">
-  <ds:schemaRefs>
-    <ds:schemaRef ds:uri="http://schemas.microsoft.com/sharepoint/v3/contenttype/forms"/>
-  </ds:schemaRefs>
-</ds:datastoreItem>
+<file path=customXml/item2.xml><?xml version="1.0" encoding="utf-8"?>
+<?mso-contentType ?>
+<FormTemplates xmlns="http://schemas.microsoft.com/sharepoint/v3/contenttype/forms">
+  <Display>DocumentLibraryForm</Display>
+  <Edit>DocumentLibraryForm</Edit>
+  <New>DocumentLibraryForm</New>
+</FormTemplates>
 </file>
 
-<file path=customXml/itemProps2.xml><?xml version="1.0" encoding="utf-8"?>
+<file path=customXml/itemProps1.xml><?xml version="1.0" encoding="utf-8"?>
 <ds:datastoreItem xmlns:ds="http://schemas.openxmlformats.org/officeDocument/2006/customXml" ds:itemID="{790D31A0-1F6C-4FE5-B545-04DF81C4CAFC}">
   <ds:schemaRefs>
     <ds:schemaRef ds:uri="http://schemas.microsoft.com/office/2006/metadata/contentType"/>
@@ -5719,4 +5720,12 @@
     <ds:schemaRef ds:uri="http://schemas.microsoft.com/internal/obd"/>
   </ds:schemaRefs>
 </ds:datastoreItem>
+</file>
+
+<file path=customXml/itemProps2.xml><?xml version="1.0" encoding="utf-8"?>
+<ds:datastoreItem xmlns:ds="http://schemas.openxmlformats.org/officeDocument/2006/customXml" ds:itemID="{A92FEE76-D0B0-4363-9135-C5EF51BDEDF0}">
+  <ds:schemaRefs>
+    <ds:schemaRef ds:uri="http://schemas.microsoft.com/sharepoint/v3/contenttype/forms"/>
+  </ds:schemaRefs>
+</ds:datastoreItem>
 </file>